--- a/Fall_2017/work/asilpavuthi/Final Project/Presentation.pptx
+++ b/Fall_2017/work/asilpavuthi/Final Project/Presentation.pptx
@@ -5877,13 +5877,18 @@
         </p:nvSpPr>
         <p:spPr/>
         <p:txBody>
-          <a:bodyPr/>
-          <a:lstStyle/>
-          <a:p>
-            <a:r>
-              <a:rPr lang="en-US" dirty="0" smtClean="0"/>
-              <a:t>Partner</a:t>
-            </a:r>
+          <a:bodyPr>
+            <a:normAutofit fontScale="90000"/>
+          </a:bodyPr>
+          <a:lstStyle/>
+          <a:p>
+            <a:r>
+              <a:rPr lang="en-US" dirty="0"/>
+              <a:t>Partner: Suffolk University Law School’s Intellectual and Entrepreneurship Clinic</a:t>
+            </a:r>
+            <a:br>
+              <a:rPr lang="en-US" dirty="0"/>
+            </a:br>
             <a:endParaRPr lang="en-US" dirty="0"/>
           </a:p>
         </p:txBody>
@@ -5907,13 +5912,13 @@
           <a:p>
             <a:r>
               <a:rPr lang="en-US" sz="2400" dirty="0" smtClean="0"/>
-              <a:t>Suffolk University Law School’s Intellectual </a:t>
-            </a:r>
-            <a:r>
-              <a:rPr lang="en-US" sz="2400" smtClean="0"/>
-              <a:t>and Entrepreneurship Clinic</a:t>
-            </a:r>
-            <a:endParaRPr lang="en-US" sz="2400"/>
+              <a:t>Suffolk </a:t>
+            </a:r>
+            <a:r>
+              <a:rPr lang="en-US" sz="2400" dirty="0"/>
+              <a:t>Law School’s Intellectual Property &amp; Entrepreneurship Clinic (IPEC) provides free legal services to appropriate clients with limited resources on issues relating to new and emerging businesses, with a focus on intellectual property (copyrights, trademarks, patents, and trade secrets).</a:t>
+            </a:r>
+            <a:endParaRPr lang="en-US" sz="2400" dirty="0"/>
           </a:p>
         </p:txBody>
       </p:sp>

--- a/Fall_2017/work/asilpavuthi/Final Project/Presentation.pptx
+++ b/Fall_2017/work/asilpavuthi/Final Project/Presentation.pptx
@@ -5918,7 +5918,6 @@
               <a:rPr lang="en-US" sz="2400" dirty="0"/>
               <a:t>Law School’s Intellectual Property &amp; Entrepreneurship Clinic (IPEC) provides free legal services to appropriate clients with limited resources on issues relating to new and emerging businesses, with a focus on intellectual property (copyrights, trademarks, patents, and trade secrets).</a:t>
             </a:r>
-            <a:endParaRPr lang="en-US" sz="2400" dirty="0"/>
           </a:p>
         </p:txBody>
       </p:sp>
@@ -6576,15 +6575,23 @@
             <a:pPr algn="ctr"/>
             <a:r>
               <a:rPr lang="en-US" dirty="0" smtClean="0"/>
-              <a:t>You should be a </a:t>
-            </a:r>
-            <a:r>
-              <a:rPr lang="en-US" dirty="0" err="1" smtClean="0"/>
-              <a:t>delaware</a:t>
+              <a:t>You should be </a:t>
+            </a:r>
+            <a:r>
+              <a:rPr lang="en-US" smtClean="0"/>
+              <a:t>a </a:t>
+            </a:r>
+            <a:r>
+              <a:rPr lang="en-US" dirty="0" err="1"/>
+              <a:t>D</a:t>
+            </a:r>
+            <a:r>
+              <a:rPr lang="en-US" smtClean="0"/>
+              <a:t>elaware </a:t>
             </a:r>
             <a:r>
               <a:rPr lang="en-US" dirty="0" smtClean="0"/>
-              <a:t> C-</a:t>
+              <a:t>C-</a:t>
             </a:r>
             <a:r>
               <a:rPr lang="en-US" dirty="0" err="1" smtClean="0"/>
